--- a/docs/songs/holy forever.pptx
+++ b/docs/songs/holy forever.pptx
@@ -9,9 +9,13 @@
     <p:sldId id="520" r:id="rId3"/>
     <p:sldId id="521" r:id="rId4"/>
     <p:sldId id="522" r:id="rId5"/>
-    <p:sldId id="524" r:id="rId6"/>
-    <p:sldId id="523" r:id="rId7"/>
-    <p:sldId id="525" r:id="rId8"/>
+    <p:sldId id="838" r:id="rId6"/>
+    <p:sldId id="840" r:id="rId7"/>
+    <p:sldId id="524" r:id="rId8"/>
+    <p:sldId id="841" r:id="rId9"/>
+    <p:sldId id="842" r:id="rId10"/>
+    <p:sldId id="843" r:id="rId11"/>
+    <p:sldId id="525" r:id="rId12"/>
   </p:sldIdLst>
   <p:sldSz cx="9144000" cy="6858000" type="screen4x3"/>
   <p:notesSz cx="6858000" cy="9144000"/>
@@ -311,7 +315,7 @@
             <a:fld id="{26EA1CF3-4A15-4CBF-9A5A-6A56C368BE71}" type="datetimeFigureOut">
               <a:rPr lang="en-GB" smtClean="0"/>
               <a:pPr/>
-              <a:t>04/01/2023</a:t>
+              <a:t>25/03/2023</a:t>
             </a:fld>
             <a:endParaRPr lang="en-GB"/>
           </a:p>
@@ -478,7 +482,7 @@
             <a:fld id="{26EA1CF3-4A15-4CBF-9A5A-6A56C368BE71}" type="datetimeFigureOut">
               <a:rPr lang="en-GB" smtClean="0"/>
               <a:pPr/>
-              <a:t>04/01/2023</a:t>
+              <a:t>25/03/2023</a:t>
             </a:fld>
             <a:endParaRPr lang="en-GB"/>
           </a:p>
@@ -655,7 +659,7 @@
             <a:fld id="{26EA1CF3-4A15-4CBF-9A5A-6A56C368BE71}" type="datetimeFigureOut">
               <a:rPr lang="en-GB" smtClean="0"/>
               <a:pPr/>
-              <a:t>04/01/2023</a:t>
+              <a:t>25/03/2023</a:t>
             </a:fld>
             <a:endParaRPr lang="en-GB"/>
           </a:p>
@@ -822,7 +826,7 @@
             <a:fld id="{26EA1CF3-4A15-4CBF-9A5A-6A56C368BE71}" type="datetimeFigureOut">
               <a:rPr lang="en-GB" smtClean="0"/>
               <a:pPr/>
-              <a:t>04/01/2023</a:t>
+              <a:t>25/03/2023</a:t>
             </a:fld>
             <a:endParaRPr lang="en-GB"/>
           </a:p>
@@ -1065,7 +1069,7 @@
             <a:fld id="{26EA1CF3-4A15-4CBF-9A5A-6A56C368BE71}" type="datetimeFigureOut">
               <a:rPr lang="en-GB" smtClean="0"/>
               <a:pPr/>
-              <a:t>04/01/2023</a:t>
+              <a:t>25/03/2023</a:t>
             </a:fld>
             <a:endParaRPr lang="en-GB"/>
           </a:p>
@@ -1350,7 +1354,7 @@
             <a:fld id="{26EA1CF3-4A15-4CBF-9A5A-6A56C368BE71}" type="datetimeFigureOut">
               <a:rPr lang="en-GB" smtClean="0"/>
               <a:pPr/>
-              <a:t>04/01/2023</a:t>
+              <a:t>25/03/2023</a:t>
             </a:fld>
             <a:endParaRPr lang="en-GB"/>
           </a:p>
@@ -1769,7 +1773,7 @@
             <a:fld id="{26EA1CF3-4A15-4CBF-9A5A-6A56C368BE71}" type="datetimeFigureOut">
               <a:rPr lang="en-GB" smtClean="0"/>
               <a:pPr/>
-              <a:t>04/01/2023</a:t>
+              <a:t>25/03/2023</a:t>
             </a:fld>
             <a:endParaRPr lang="en-GB"/>
           </a:p>
@@ -1884,7 +1888,7 @@
             <a:fld id="{26EA1CF3-4A15-4CBF-9A5A-6A56C368BE71}" type="datetimeFigureOut">
               <a:rPr lang="en-GB" smtClean="0"/>
               <a:pPr/>
-              <a:t>04/01/2023</a:t>
+              <a:t>25/03/2023</a:t>
             </a:fld>
             <a:endParaRPr lang="en-GB"/>
           </a:p>
@@ -1976,7 +1980,7 @@
             <a:fld id="{26EA1CF3-4A15-4CBF-9A5A-6A56C368BE71}" type="datetimeFigureOut">
               <a:rPr lang="en-GB" smtClean="0"/>
               <a:pPr/>
-              <a:t>04/01/2023</a:t>
+              <a:t>25/03/2023</a:t>
             </a:fld>
             <a:endParaRPr lang="en-GB"/>
           </a:p>
@@ -2250,7 +2254,7 @@
             <a:fld id="{26EA1CF3-4A15-4CBF-9A5A-6A56C368BE71}" type="datetimeFigureOut">
               <a:rPr lang="en-GB" smtClean="0"/>
               <a:pPr/>
-              <a:t>04/01/2023</a:t>
+              <a:t>25/03/2023</a:t>
             </a:fld>
             <a:endParaRPr lang="en-GB"/>
           </a:p>
@@ -2500,7 +2504,7 @@
             <a:fld id="{26EA1CF3-4A15-4CBF-9A5A-6A56C368BE71}" type="datetimeFigureOut">
               <a:rPr lang="en-GB" smtClean="0"/>
               <a:pPr/>
-              <a:t>04/01/2023</a:t>
+              <a:t>25/03/2023</a:t>
             </a:fld>
             <a:endParaRPr lang="en-GB"/>
           </a:p>
@@ -2713,7 +2717,7 @@
             <a:fld id="{26EA1CF3-4A15-4CBF-9A5A-6A56C368BE71}" type="datetimeFigureOut">
               <a:rPr lang="en-GB" smtClean="0"/>
               <a:pPr/>
-              <a:t>04/01/2023</a:t>
+              <a:t>25/03/2023</a:t>
             </a:fld>
             <a:endParaRPr lang="en-GB"/>
           </a:p>
@@ -3315,6 +3319,238 @@
 </p:sld>
 </file>
 
+<file path=ppt/slides/slide10.xml><?xml version="1.0" encoding="utf-8"?>
+<p:sld xmlns:a="http://schemas.openxmlformats.org/drawingml/2006/main" xmlns:r="http://schemas.openxmlformats.org/officeDocument/2006/relationships" xmlns:p="http://schemas.openxmlformats.org/presentationml/2006/main">
+  <p:cSld>
+    <p:spTree>
+      <p:nvGrpSpPr>
+        <p:cNvPr id="1" name=""/>
+        <p:cNvGrpSpPr/>
+        <p:nvPr/>
+      </p:nvGrpSpPr>
+      <p:grpSpPr>
+        <a:xfrm>
+          <a:off x="0" y="0"/>
+          <a:ext cx="0" cy="0"/>
+          <a:chOff x="0" y="0"/>
+          <a:chExt cx="0" cy="0"/>
+        </a:xfrm>
+      </p:grpSpPr>
+      <p:sp>
+        <p:nvSpPr>
+          <p:cNvPr id="3" name="Subtitle 2"/>
+          <p:cNvSpPr>
+            <a:spLocks noGrp="1"/>
+          </p:cNvSpPr>
+          <p:nvPr>
+            <p:ph type="subTitle" idx="1"/>
+          </p:nvPr>
+        </p:nvSpPr>
+        <p:spPr>
+          <a:xfrm>
+            <a:off x="323528" y="188640"/>
+            <a:ext cx="8640960" cy="6480720"/>
+          </a:xfrm>
+        </p:spPr>
+        <p:txBody>
+          <a:bodyPr>
+            <a:noAutofit/>
+          </a:bodyPr>
+          <a:lstStyle/>
+          <a:p>
+            <a:r>
+              <a:rPr lang="en-GB" sz="4000" dirty="0">
+                <a:solidFill>
+                  <a:schemeClr val="bg1"/>
+                </a:solidFill>
+              </a:rPr>
+              <a:t>Hear Your people sing Holy</a:t>
+            </a:r>
+          </a:p>
+          <a:p>
+            <a:r>
+              <a:rPr lang="en-GB" sz="4000" dirty="0">
+                <a:solidFill>
+                  <a:schemeClr val="bg1"/>
+                </a:solidFill>
+              </a:rPr>
+              <a:t>To the King of Kings Holy</a:t>
+            </a:r>
+          </a:p>
+          <a:p>
+            <a:r>
+              <a:rPr lang="en-GB" sz="4000" dirty="0">
+                <a:solidFill>
+                  <a:schemeClr val="bg1"/>
+                </a:solidFill>
+              </a:rPr>
+              <a:t>You will always be Holy</a:t>
+            </a:r>
+          </a:p>
+          <a:p>
+            <a:r>
+              <a:rPr lang="en-GB" sz="4000" dirty="0">
+                <a:solidFill>
+                  <a:schemeClr val="bg1"/>
+                </a:solidFill>
+              </a:rPr>
+              <a:t>Holy forever</a:t>
+            </a:r>
+          </a:p>
+        </p:txBody>
+      </p:sp>
+      <p:sp>
+        <p:nvSpPr>
+          <p:cNvPr id="4" name="TextBox 3"/>
+          <p:cNvSpPr txBox="1"/>
+          <p:nvPr/>
+        </p:nvSpPr>
+        <p:spPr>
+          <a:xfrm>
+            <a:off x="8398233" y="9947"/>
+            <a:ext cx="784189" cy="461665"/>
+          </a:xfrm>
+          <a:prstGeom prst="rect">
+            <a:avLst/>
+          </a:prstGeom>
+          <a:noFill/>
+        </p:spPr>
+        <p:txBody>
+          <a:bodyPr wrap="none" rtlCol="0">
+            <a:spAutoFit/>
+          </a:bodyPr>
+          <a:lstStyle/>
+          <a:p>
+            <a:r>
+              <a:rPr lang="en-GB" sz="2400" b="1" dirty="0">
+                <a:solidFill>
+                  <a:schemeClr val="bg1"/>
+                </a:solidFill>
+              </a:rPr>
+              <a:t>9/10</a:t>
+            </a:r>
+          </a:p>
+        </p:txBody>
+      </p:sp>
+    </p:spTree>
+    <p:extLst>
+      <p:ext uri="{BB962C8B-B14F-4D97-AF65-F5344CB8AC3E}">
+        <p14:creationId xmlns:p14="http://schemas.microsoft.com/office/powerpoint/2010/main" val="482190470"/>
+      </p:ext>
+    </p:extLst>
+  </p:cSld>
+  <p:clrMapOvr>
+    <a:masterClrMapping/>
+  </p:clrMapOvr>
+</p:sld>
+</file>
+
+<file path=ppt/slides/slide11.xml><?xml version="1.0" encoding="utf-8"?>
+<p:sld xmlns:a="http://schemas.openxmlformats.org/drawingml/2006/main" xmlns:r="http://schemas.openxmlformats.org/officeDocument/2006/relationships" xmlns:p="http://schemas.openxmlformats.org/presentationml/2006/main">
+  <p:cSld>
+    <p:spTree>
+      <p:nvGrpSpPr>
+        <p:cNvPr id="1" name=""/>
+        <p:cNvGrpSpPr/>
+        <p:nvPr/>
+      </p:nvGrpSpPr>
+      <p:grpSpPr>
+        <a:xfrm>
+          <a:off x="0" y="0"/>
+          <a:ext cx="0" cy="0"/>
+          <a:chOff x="0" y="0"/>
+          <a:chExt cx="0" cy="0"/>
+        </a:xfrm>
+      </p:grpSpPr>
+      <p:sp>
+        <p:nvSpPr>
+          <p:cNvPr id="3" name="Subtitle 2"/>
+          <p:cNvSpPr>
+            <a:spLocks noGrp="1"/>
+          </p:cNvSpPr>
+          <p:nvPr>
+            <p:ph type="subTitle" idx="1"/>
+          </p:nvPr>
+        </p:nvSpPr>
+        <p:spPr>
+          <a:xfrm>
+            <a:off x="323528" y="188640"/>
+            <a:ext cx="8640960" cy="6480720"/>
+          </a:xfrm>
+        </p:spPr>
+        <p:txBody>
+          <a:bodyPr>
+            <a:noAutofit/>
+          </a:bodyPr>
+          <a:lstStyle/>
+          <a:p>
+            <a:r>
+              <a:rPr lang="en-GB" sz="4000" dirty="0">
+                <a:solidFill>
+                  <a:schemeClr val="bg1"/>
+                </a:solidFill>
+              </a:rPr>
+              <a:t>You will always be Holy</a:t>
+            </a:r>
+          </a:p>
+          <a:p>
+            <a:r>
+              <a:rPr lang="en-GB" sz="4000" dirty="0">
+                <a:solidFill>
+                  <a:schemeClr val="bg1"/>
+                </a:solidFill>
+              </a:rPr>
+              <a:t>Holy forever</a:t>
+            </a:r>
+          </a:p>
+        </p:txBody>
+      </p:sp>
+      <p:sp>
+        <p:nvSpPr>
+          <p:cNvPr id="4" name="TextBox 3"/>
+          <p:cNvSpPr txBox="1"/>
+          <p:nvPr/>
+        </p:nvSpPr>
+        <p:spPr>
+          <a:xfrm>
+            <a:off x="8204319" y="0"/>
+            <a:ext cx="939681" cy="461665"/>
+          </a:xfrm>
+          <a:prstGeom prst="rect">
+            <a:avLst/>
+          </a:prstGeom>
+          <a:noFill/>
+        </p:spPr>
+        <p:txBody>
+          <a:bodyPr wrap="none" rtlCol="0">
+            <a:spAutoFit/>
+          </a:bodyPr>
+          <a:lstStyle/>
+          <a:p>
+            <a:r>
+              <a:rPr lang="en-GB" sz="2400" b="1" dirty="0">
+                <a:solidFill>
+                  <a:schemeClr val="bg1"/>
+                </a:solidFill>
+              </a:rPr>
+              <a:t>10/10</a:t>
+            </a:r>
+          </a:p>
+        </p:txBody>
+      </p:sp>
+    </p:spTree>
+    <p:extLst>
+      <p:ext uri="{BB962C8B-B14F-4D97-AF65-F5344CB8AC3E}">
+        <p14:creationId xmlns:p14="http://schemas.microsoft.com/office/powerpoint/2010/main" val="718235480"/>
+      </p:ext>
+    </p:extLst>
+  </p:cSld>
+  <p:clrMapOvr>
+    <a:masterClrMapping/>
+  </p:clrMapOvr>
+</p:sld>
+</file>
+
 <file path=ppt/slides/slide2.xml><?xml version="1.0" encoding="utf-8"?>
 <p:sld xmlns:a="http://schemas.openxmlformats.org/drawingml/2006/main" xmlns:r="http://schemas.openxmlformats.org/officeDocument/2006/relationships" xmlns:p="http://schemas.openxmlformats.org/presentationml/2006/main">
   <p:cSld>
@@ -3413,8 +3649,8 @@
         </p:nvSpPr>
         <p:spPr>
           <a:xfrm>
-            <a:off x="8529729" y="0"/>
-            <a:ext cx="628698" cy="461665"/>
+            <a:off x="8316416" y="0"/>
+            <a:ext cx="784189" cy="461665"/>
           </a:xfrm>
           <a:prstGeom prst="rect">
             <a:avLst/>
@@ -3433,7 +3669,7 @@
                   <a:schemeClr val="bg1"/>
                 </a:solidFill>
               </a:rPr>
-              <a:t>1/6</a:t>
+              <a:t>1/10</a:t>
             </a:r>
           </a:p>
         </p:txBody>
@@ -3559,8 +3795,8 @@
         </p:nvSpPr>
         <p:spPr>
           <a:xfrm>
-            <a:off x="8529729" y="0"/>
-            <a:ext cx="628698" cy="461665"/>
+            <a:off x="8359811" y="-42193"/>
+            <a:ext cx="784189" cy="461665"/>
           </a:xfrm>
           <a:prstGeom prst="rect">
             <a:avLst/>
@@ -3579,7 +3815,7 @@
                   <a:schemeClr val="bg1"/>
                 </a:solidFill>
               </a:rPr>
-              <a:t>2/6</a:t>
+              <a:t>2/10</a:t>
             </a:r>
           </a:p>
         </p:txBody>
@@ -3685,8 +3921,8 @@
         </p:nvSpPr>
         <p:spPr>
           <a:xfrm>
-            <a:off x="8529729" y="0"/>
-            <a:ext cx="628698" cy="461665"/>
+            <a:off x="8428377" y="0"/>
+            <a:ext cx="784189" cy="461665"/>
           </a:xfrm>
           <a:prstGeom prst="rect">
             <a:avLst/>
@@ -3705,7 +3941,7 @@
                   <a:schemeClr val="bg1"/>
                 </a:solidFill>
               </a:rPr>
-              <a:t>3/6</a:t>
+              <a:t>3/10</a:t>
             </a:r>
           </a:p>
         </p:txBody>
@@ -3768,7 +4004,7 @@
                   <a:schemeClr val="bg1"/>
                 </a:solidFill>
               </a:rPr>
-              <a:t>Hear Your people sing Holy</a:t>
+              <a:t>If you've been forgiven and if you've been redeemed</a:t>
             </a:r>
           </a:p>
           <a:p>
@@ -3778,7 +4014,7 @@
                   <a:schemeClr val="bg1"/>
                 </a:solidFill>
               </a:rPr>
-              <a:t>To the King of Kings Holy</a:t>
+              <a:t>Sing the song forever to the Lamb</a:t>
             </a:r>
           </a:p>
           <a:p>
@@ -3788,7 +4024,7 @@
                   <a:schemeClr val="bg1"/>
                 </a:solidFill>
               </a:rPr>
-              <a:t>You will always be Holy</a:t>
+              <a:t>If you walk in freedom and if you bear His name</a:t>
             </a:r>
           </a:p>
           <a:p>
@@ -3798,7 +4034,17 @@
                   <a:schemeClr val="bg1"/>
                 </a:solidFill>
               </a:rPr>
-              <a:t>Holy forever</a:t>
+              <a:t>Sing the song forever to the Lamb</a:t>
+            </a:r>
+          </a:p>
+          <a:p>
+            <a:r>
+              <a:rPr lang="en-GB" sz="4000" dirty="0">
+                <a:solidFill>
+                  <a:schemeClr val="bg1"/>
+                </a:solidFill>
+              </a:rPr>
+              <a:t>We'll sing the song forever and amen</a:t>
             </a:r>
           </a:p>
         </p:txBody>
@@ -3811,8 +4057,8 @@
         </p:nvSpPr>
         <p:spPr>
           <a:xfrm>
-            <a:off x="8529729" y="0"/>
-            <a:ext cx="628698" cy="461665"/>
+            <a:off x="8428377" y="0"/>
+            <a:ext cx="784189" cy="461665"/>
           </a:xfrm>
           <a:prstGeom prst="rect">
             <a:avLst/>
@@ -3831,7 +4077,7 @@
                   <a:schemeClr val="bg1"/>
                 </a:solidFill>
               </a:rPr>
-              <a:t>4/6</a:t>
+              <a:t>4/10</a:t>
             </a:r>
           </a:p>
         </p:txBody>
@@ -3839,7 +4085,7 @@
     </p:spTree>
     <p:extLst>
       <p:ext uri="{BB962C8B-B14F-4D97-AF65-F5344CB8AC3E}">
-        <p14:creationId xmlns:p14="http://schemas.microsoft.com/office/powerpoint/2010/main" val="3063323204"/>
+        <p14:creationId xmlns:p14="http://schemas.microsoft.com/office/powerpoint/2010/main" val="2044400062"/>
       </p:ext>
     </p:extLst>
   </p:cSld>
@@ -3894,7 +4140,7 @@
                   <a:schemeClr val="bg1"/>
                 </a:solidFill>
               </a:rPr>
-              <a:t>If you've been forgiven and if you've been redeemed</a:t>
+              <a:t>And the angels cry Holy</a:t>
             </a:r>
           </a:p>
           <a:p>
@@ -3904,7 +4150,7 @@
                   <a:schemeClr val="bg1"/>
                 </a:solidFill>
               </a:rPr>
-              <a:t>Sing the song forever to the Lamb</a:t>
+              <a:t>All creation cries Holy</a:t>
             </a:r>
           </a:p>
           <a:p>
@@ -3914,7 +4160,7 @@
                   <a:schemeClr val="bg1"/>
                 </a:solidFill>
               </a:rPr>
-              <a:t>If you walk in freedom and if you bear His name</a:t>
+              <a:t>You are lifted high Holy</a:t>
             </a:r>
           </a:p>
           <a:p>
@@ -3924,17 +4170,7 @@
                   <a:schemeClr val="bg1"/>
                 </a:solidFill>
               </a:rPr>
-              <a:t>Sing the song forever to the Lamb</a:t>
-            </a:r>
-          </a:p>
-          <a:p>
-            <a:r>
-              <a:rPr lang="en-GB" sz="4000" dirty="0">
-                <a:solidFill>
-                  <a:schemeClr val="bg1"/>
-                </a:solidFill>
-              </a:rPr>
-              <a:t>We'll sing the song forever and amen</a:t>
+              <a:t>Holy forever</a:t>
             </a:r>
           </a:p>
         </p:txBody>
@@ -3947,8 +4183,8 @@
         </p:nvSpPr>
         <p:spPr>
           <a:xfrm>
-            <a:off x="8529729" y="0"/>
-            <a:ext cx="628698" cy="461665"/>
+            <a:off x="8244408" y="44624"/>
+            <a:ext cx="784189" cy="461665"/>
           </a:xfrm>
           <a:prstGeom prst="rect">
             <a:avLst/>
@@ -3967,7 +4203,7 @@
                   <a:schemeClr val="bg1"/>
                 </a:solidFill>
               </a:rPr>
-              <a:t>5/6</a:t>
+              <a:t>5/10</a:t>
             </a:r>
           </a:p>
         </p:txBody>
@@ -3975,7 +4211,7 @@
     </p:spTree>
     <p:extLst>
       <p:ext uri="{BB962C8B-B14F-4D97-AF65-F5344CB8AC3E}">
-        <p14:creationId xmlns:p14="http://schemas.microsoft.com/office/powerpoint/2010/main" val="2044400062"/>
+        <p14:creationId xmlns:p14="http://schemas.microsoft.com/office/powerpoint/2010/main" val="2864160860"/>
       </p:ext>
     </p:extLst>
   </p:cSld>
@@ -4030,6 +4266,26 @@
                   <a:schemeClr val="bg1"/>
                 </a:solidFill>
               </a:rPr>
+              <a:t>Hear Your people sing Holy</a:t>
+            </a:r>
+          </a:p>
+          <a:p>
+            <a:r>
+              <a:rPr lang="en-GB" sz="4000" dirty="0">
+                <a:solidFill>
+                  <a:schemeClr val="bg1"/>
+                </a:solidFill>
+              </a:rPr>
+              <a:t>To the King of Kings Holy</a:t>
+            </a:r>
+          </a:p>
+          <a:p>
+            <a:r>
+              <a:rPr lang="en-GB" sz="4000" dirty="0">
+                <a:solidFill>
+                  <a:schemeClr val="bg1"/>
+                </a:solidFill>
+              </a:rPr>
               <a:t>You will always be Holy</a:t>
             </a:r>
           </a:p>
@@ -4053,8 +4309,8 @@
         </p:nvSpPr>
         <p:spPr>
           <a:xfrm>
-            <a:off x="8529729" y="0"/>
-            <a:ext cx="628698" cy="461665"/>
+            <a:off x="8334609" y="0"/>
+            <a:ext cx="784189" cy="461665"/>
           </a:xfrm>
           <a:prstGeom prst="rect">
             <a:avLst/>
@@ -4073,7 +4329,7 @@
                   <a:schemeClr val="bg1"/>
                 </a:solidFill>
               </a:rPr>
-              <a:t>6/6</a:t>
+              <a:t>6/10</a:t>
             </a:r>
           </a:p>
         </p:txBody>
@@ -4081,7 +4337,279 @@
     </p:spTree>
     <p:extLst>
       <p:ext uri="{BB962C8B-B14F-4D97-AF65-F5344CB8AC3E}">
-        <p14:creationId xmlns:p14="http://schemas.microsoft.com/office/powerpoint/2010/main" val="718235480"/>
+        <p14:creationId xmlns:p14="http://schemas.microsoft.com/office/powerpoint/2010/main" val="3063323204"/>
+      </p:ext>
+    </p:extLst>
+  </p:cSld>
+  <p:clrMapOvr>
+    <a:masterClrMapping/>
+  </p:clrMapOvr>
+</p:sld>
+</file>
+
+<file path=ppt/slides/slide8.xml><?xml version="1.0" encoding="utf-8"?>
+<p:sld xmlns:a="http://schemas.openxmlformats.org/drawingml/2006/main" xmlns:r="http://schemas.openxmlformats.org/officeDocument/2006/relationships" xmlns:p="http://schemas.openxmlformats.org/presentationml/2006/main">
+  <p:cSld>
+    <p:spTree>
+      <p:nvGrpSpPr>
+        <p:cNvPr id="1" name=""/>
+        <p:cNvGrpSpPr/>
+        <p:nvPr/>
+      </p:nvGrpSpPr>
+      <p:grpSpPr>
+        <a:xfrm>
+          <a:off x="0" y="0"/>
+          <a:ext cx="0" cy="0"/>
+          <a:chOff x="0" y="0"/>
+          <a:chExt cx="0" cy="0"/>
+        </a:xfrm>
+      </p:grpSpPr>
+      <p:sp>
+        <p:nvSpPr>
+          <p:cNvPr id="3" name="Subtitle 2"/>
+          <p:cNvSpPr>
+            <a:spLocks noGrp="1"/>
+          </p:cNvSpPr>
+          <p:nvPr>
+            <p:ph type="subTitle" idx="1"/>
+          </p:nvPr>
+        </p:nvSpPr>
+        <p:spPr>
+          <a:xfrm>
+            <a:off x="323528" y="188640"/>
+            <a:ext cx="8640960" cy="6480720"/>
+          </a:xfrm>
+        </p:spPr>
+        <p:txBody>
+          <a:bodyPr>
+            <a:noAutofit/>
+          </a:bodyPr>
+          <a:lstStyle/>
+          <a:p>
+            <a:r>
+              <a:rPr lang="en-GB" sz="4000" dirty="0">
+                <a:solidFill>
+                  <a:schemeClr val="bg1"/>
+                </a:solidFill>
+              </a:rPr>
+              <a:t>(Jesus) Your name is the highest</a:t>
+            </a:r>
+          </a:p>
+          <a:p>
+            <a:r>
+              <a:rPr lang="en-GB" sz="4000" dirty="0">
+                <a:solidFill>
+                  <a:schemeClr val="bg1"/>
+                </a:solidFill>
+              </a:rPr>
+              <a:t>Your name is the greatest</a:t>
+            </a:r>
+          </a:p>
+          <a:p>
+            <a:r>
+              <a:rPr lang="en-GB" sz="4000" dirty="0">
+                <a:solidFill>
+                  <a:schemeClr val="bg1"/>
+                </a:solidFill>
+              </a:rPr>
+              <a:t>Your name stands above them all</a:t>
+            </a:r>
+          </a:p>
+          <a:p>
+            <a:r>
+              <a:rPr lang="en-GB" sz="4000" dirty="0">
+                <a:solidFill>
+                  <a:schemeClr val="bg1"/>
+                </a:solidFill>
+              </a:rPr>
+              <a:t>All thrones and dominions</a:t>
+            </a:r>
+          </a:p>
+          <a:p>
+            <a:r>
+              <a:rPr lang="en-GB" sz="4000" dirty="0">
+                <a:solidFill>
+                  <a:schemeClr val="bg1"/>
+                </a:solidFill>
+              </a:rPr>
+              <a:t>All powers and positions</a:t>
+            </a:r>
+          </a:p>
+          <a:p>
+            <a:r>
+              <a:rPr lang="en-GB" sz="4000" dirty="0">
+                <a:solidFill>
+                  <a:schemeClr val="bg1"/>
+                </a:solidFill>
+              </a:rPr>
+              <a:t>Your name stands above them all</a:t>
+            </a:r>
+          </a:p>
+        </p:txBody>
+      </p:sp>
+      <p:sp>
+        <p:nvSpPr>
+          <p:cNvPr id="4" name="TextBox 3"/>
+          <p:cNvSpPr txBox="1"/>
+          <p:nvPr/>
+        </p:nvSpPr>
+        <p:spPr>
+          <a:xfrm>
+            <a:off x="8331558" y="0"/>
+            <a:ext cx="784189" cy="461665"/>
+          </a:xfrm>
+          <a:prstGeom prst="rect">
+            <a:avLst/>
+          </a:prstGeom>
+          <a:noFill/>
+        </p:spPr>
+        <p:txBody>
+          <a:bodyPr wrap="none" rtlCol="0">
+            <a:spAutoFit/>
+          </a:bodyPr>
+          <a:lstStyle/>
+          <a:p>
+            <a:r>
+              <a:rPr lang="en-GB" sz="2400" b="1" dirty="0">
+                <a:solidFill>
+                  <a:schemeClr val="bg1"/>
+                </a:solidFill>
+              </a:rPr>
+              <a:t>7/10</a:t>
+            </a:r>
+          </a:p>
+        </p:txBody>
+      </p:sp>
+    </p:spTree>
+    <p:extLst>
+      <p:ext uri="{BB962C8B-B14F-4D97-AF65-F5344CB8AC3E}">
+        <p14:creationId xmlns:p14="http://schemas.microsoft.com/office/powerpoint/2010/main" val="1806542696"/>
+      </p:ext>
+    </p:extLst>
+  </p:cSld>
+  <p:clrMapOvr>
+    <a:masterClrMapping/>
+  </p:clrMapOvr>
+</p:sld>
+</file>
+
+<file path=ppt/slides/slide9.xml><?xml version="1.0" encoding="utf-8"?>
+<p:sld xmlns:a="http://schemas.openxmlformats.org/drawingml/2006/main" xmlns:r="http://schemas.openxmlformats.org/officeDocument/2006/relationships" xmlns:p="http://schemas.openxmlformats.org/presentationml/2006/main">
+  <p:cSld>
+    <p:spTree>
+      <p:nvGrpSpPr>
+        <p:cNvPr id="1" name=""/>
+        <p:cNvGrpSpPr/>
+        <p:nvPr/>
+      </p:nvGrpSpPr>
+      <p:grpSpPr>
+        <a:xfrm>
+          <a:off x="0" y="0"/>
+          <a:ext cx="0" cy="0"/>
+          <a:chOff x="0" y="0"/>
+          <a:chExt cx="0" cy="0"/>
+        </a:xfrm>
+      </p:grpSpPr>
+      <p:sp>
+        <p:nvSpPr>
+          <p:cNvPr id="3" name="Subtitle 2"/>
+          <p:cNvSpPr>
+            <a:spLocks noGrp="1"/>
+          </p:cNvSpPr>
+          <p:nvPr>
+            <p:ph type="subTitle" idx="1"/>
+          </p:nvPr>
+        </p:nvSpPr>
+        <p:spPr>
+          <a:xfrm>
+            <a:off x="323528" y="188640"/>
+            <a:ext cx="8640960" cy="6480720"/>
+          </a:xfrm>
+        </p:spPr>
+        <p:txBody>
+          <a:bodyPr>
+            <a:noAutofit/>
+          </a:bodyPr>
+          <a:lstStyle/>
+          <a:p>
+            <a:r>
+              <a:rPr lang="en-GB" sz="4000" dirty="0">
+                <a:solidFill>
+                  <a:schemeClr val="bg1"/>
+                </a:solidFill>
+              </a:rPr>
+              <a:t>And the angels cry Holy</a:t>
+            </a:r>
+          </a:p>
+          <a:p>
+            <a:r>
+              <a:rPr lang="en-GB" sz="4000" dirty="0">
+                <a:solidFill>
+                  <a:schemeClr val="bg1"/>
+                </a:solidFill>
+              </a:rPr>
+              <a:t>All creation cries Holy</a:t>
+            </a:r>
+          </a:p>
+          <a:p>
+            <a:r>
+              <a:rPr lang="en-GB" sz="4000" dirty="0">
+                <a:solidFill>
+                  <a:schemeClr val="bg1"/>
+                </a:solidFill>
+              </a:rPr>
+              <a:t>You are lifted high Holy</a:t>
+            </a:r>
+          </a:p>
+          <a:p>
+            <a:r>
+              <a:rPr lang="en-GB" sz="4000" dirty="0">
+                <a:solidFill>
+                  <a:schemeClr val="bg1"/>
+                </a:solidFill>
+              </a:rPr>
+              <a:t>Holy forever</a:t>
+            </a:r>
+          </a:p>
+        </p:txBody>
+      </p:sp>
+      <p:sp>
+        <p:nvSpPr>
+          <p:cNvPr id="4" name="TextBox 3"/>
+          <p:cNvSpPr txBox="1"/>
+          <p:nvPr/>
+        </p:nvSpPr>
+        <p:spPr>
+          <a:xfrm>
+            <a:off x="8316416" y="0"/>
+            <a:ext cx="784189" cy="461665"/>
+          </a:xfrm>
+          <a:prstGeom prst="rect">
+            <a:avLst/>
+          </a:prstGeom>
+          <a:noFill/>
+        </p:spPr>
+        <p:txBody>
+          <a:bodyPr wrap="none" rtlCol="0">
+            <a:spAutoFit/>
+          </a:bodyPr>
+          <a:lstStyle/>
+          <a:p>
+            <a:r>
+              <a:rPr lang="en-GB" sz="2400" b="1" dirty="0">
+                <a:solidFill>
+                  <a:schemeClr val="bg1"/>
+                </a:solidFill>
+              </a:rPr>
+              <a:t>8/10</a:t>
+            </a:r>
+          </a:p>
+        </p:txBody>
+      </p:sp>
+    </p:spTree>
+    <p:extLst>
+      <p:ext uri="{BB962C8B-B14F-4D97-AF65-F5344CB8AC3E}">
+        <p14:creationId xmlns:p14="http://schemas.microsoft.com/office/powerpoint/2010/main" val="3703381109"/>
       </p:ext>
     </p:extLst>
   </p:cSld>

--- a/docs/songs/holy forever.pptx
+++ b/docs/songs/holy forever.pptx
@@ -315,7 +315,7 @@
             <a:fld id="{26EA1CF3-4A15-4CBF-9A5A-6A56C368BE71}" type="datetimeFigureOut">
               <a:rPr lang="en-GB" smtClean="0"/>
               <a:pPr/>
-              <a:t>25/03/2023</a:t>
+              <a:t>26/08/2024</a:t>
             </a:fld>
             <a:endParaRPr lang="en-GB"/>
           </a:p>
@@ -482,7 +482,7 @@
             <a:fld id="{26EA1CF3-4A15-4CBF-9A5A-6A56C368BE71}" type="datetimeFigureOut">
               <a:rPr lang="en-GB" smtClean="0"/>
               <a:pPr/>
-              <a:t>25/03/2023</a:t>
+              <a:t>26/08/2024</a:t>
             </a:fld>
             <a:endParaRPr lang="en-GB"/>
           </a:p>
@@ -659,7 +659,7 @@
             <a:fld id="{26EA1CF3-4A15-4CBF-9A5A-6A56C368BE71}" type="datetimeFigureOut">
               <a:rPr lang="en-GB" smtClean="0"/>
               <a:pPr/>
-              <a:t>25/03/2023</a:t>
+              <a:t>26/08/2024</a:t>
             </a:fld>
             <a:endParaRPr lang="en-GB"/>
           </a:p>
@@ -826,7 +826,7 @@
             <a:fld id="{26EA1CF3-4A15-4CBF-9A5A-6A56C368BE71}" type="datetimeFigureOut">
               <a:rPr lang="en-GB" smtClean="0"/>
               <a:pPr/>
-              <a:t>25/03/2023</a:t>
+              <a:t>26/08/2024</a:t>
             </a:fld>
             <a:endParaRPr lang="en-GB"/>
           </a:p>
@@ -1069,7 +1069,7 @@
             <a:fld id="{26EA1CF3-4A15-4CBF-9A5A-6A56C368BE71}" type="datetimeFigureOut">
               <a:rPr lang="en-GB" smtClean="0"/>
               <a:pPr/>
-              <a:t>25/03/2023</a:t>
+              <a:t>26/08/2024</a:t>
             </a:fld>
             <a:endParaRPr lang="en-GB"/>
           </a:p>
@@ -1354,7 +1354,7 @@
             <a:fld id="{26EA1CF3-4A15-4CBF-9A5A-6A56C368BE71}" type="datetimeFigureOut">
               <a:rPr lang="en-GB" smtClean="0"/>
               <a:pPr/>
-              <a:t>25/03/2023</a:t>
+              <a:t>26/08/2024</a:t>
             </a:fld>
             <a:endParaRPr lang="en-GB"/>
           </a:p>
@@ -1773,7 +1773,7 @@
             <a:fld id="{26EA1CF3-4A15-4CBF-9A5A-6A56C368BE71}" type="datetimeFigureOut">
               <a:rPr lang="en-GB" smtClean="0"/>
               <a:pPr/>
-              <a:t>25/03/2023</a:t>
+              <a:t>26/08/2024</a:t>
             </a:fld>
             <a:endParaRPr lang="en-GB"/>
           </a:p>
@@ -1888,7 +1888,7 @@
             <a:fld id="{26EA1CF3-4A15-4CBF-9A5A-6A56C368BE71}" type="datetimeFigureOut">
               <a:rPr lang="en-GB" smtClean="0"/>
               <a:pPr/>
-              <a:t>25/03/2023</a:t>
+              <a:t>26/08/2024</a:t>
             </a:fld>
             <a:endParaRPr lang="en-GB"/>
           </a:p>
@@ -1980,7 +1980,7 @@
             <a:fld id="{26EA1CF3-4A15-4CBF-9A5A-6A56C368BE71}" type="datetimeFigureOut">
               <a:rPr lang="en-GB" smtClean="0"/>
               <a:pPr/>
-              <a:t>25/03/2023</a:t>
+              <a:t>26/08/2024</a:t>
             </a:fld>
             <a:endParaRPr lang="en-GB"/>
           </a:p>
@@ -2254,7 +2254,7 @@
             <a:fld id="{26EA1CF3-4A15-4CBF-9A5A-6A56C368BE71}" type="datetimeFigureOut">
               <a:rPr lang="en-GB" smtClean="0"/>
               <a:pPr/>
-              <a:t>25/03/2023</a:t>
+              <a:t>26/08/2024</a:t>
             </a:fld>
             <a:endParaRPr lang="en-GB"/>
           </a:p>
@@ -2504,7 +2504,7 @@
             <a:fld id="{26EA1CF3-4A15-4CBF-9A5A-6A56C368BE71}" type="datetimeFigureOut">
               <a:rPr lang="en-GB" smtClean="0"/>
               <a:pPr/>
-              <a:t>25/03/2023</a:t>
+              <a:t>26/08/2024</a:t>
             </a:fld>
             <a:endParaRPr lang="en-GB"/>
           </a:p>
@@ -2717,7 +2717,7 @@
             <a:fld id="{26EA1CF3-4A15-4CBF-9A5A-6A56C368BE71}" type="datetimeFigureOut">
               <a:rPr lang="en-GB" smtClean="0"/>
               <a:pPr/>
-              <a:t>25/03/2023</a:t>
+              <a:t>26/08/2024</a:t>
             </a:fld>
             <a:endParaRPr lang="en-GB"/>
           </a:p>
@@ -3348,7 +3348,7 @@
         </p:nvSpPr>
         <p:spPr>
           <a:xfrm>
-            <a:off x="323528" y="188640"/>
+            <a:off x="251520" y="764704"/>
             <a:ext cx="8640960" cy="6480720"/>
           </a:xfrm>
         </p:spPr>
@@ -3474,7 +3474,7 @@
         </p:nvSpPr>
         <p:spPr>
           <a:xfrm>
-            <a:off x="323528" y="188640"/>
+            <a:off x="251520" y="692696"/>
             <a:ext cx="8640960" cy="6480720"/>
           </a:xfrm>
         </p:spPr>
@@ -3580,7 +3580,7 @@
         </p:nvSpPr>
         <p:spPr>
           <a:xfrm>
-            <a:off x="323528" y="188640"/>
+            <a:off x="251520" y="764704"/>
             <a:ext cx="8640960" cy="6480720"/>
           </a:xfrm>
         </p:spPr>
@@ -3591,7 +3591,7 @@
           <a:lstStyle/>
           <a:p>
             <a:r>
-              <a:rPr lang="en-GB" sz="4000" dirty="0">
+              <a:rPr lang="en-GB" sz="3600" dirty="0">
                 <a:solidFill>
                   <a:schemeClr val="bg1"/>
                 </a:solidFill>
@@ -3601,7 +3601,7 @@
           </a:p>
           <a:p>
             <a:r>
-              <a:rPr lang="en-GB" sz="4000" dirty="0">
+              <a:rPr lang="en-GB" sz="3600" dirty="0">
                 <a:solidFill>
                   <a:schemeClr val="bg1"/>
                 </a:solidFill>
@@ -3611,7 +3611,7 @@
           </a:p>
           <a:p>
             <a:r>
-              <a:rPr lang="en-GB" sz="4000" dirty="0">
+              <a:rPr lang="en-GB" sz="3600" dirty="0">
                 <a:solidFill>
                   <a:schemeClr val="bg1"/>
                 </a:solidFill>
@@ -3621,7 +3621,7 @@
           </a:p>
           <a:p>
             <a:r>
-              <a:rPr lang="en-GB" sz="4000" dirty="0">
+              <a:rPr lang="en-GB" sz="3600" dirty="0">
                 <a:solidFill>
                   <a:schemeClr val="bg1"/>
                 </a:solidFill>
@@ -3631,7 +3631,7 @@
           </a:p>
           <a:p>
             <a:r>
-              <a:rPr lang="en-GB" sz="4000" dirty="0">
+              <a:rPr lang="en-GB" sz="3600" dirty="0">
                 <a:solidFill>
                   <a:schemeClr val="bg1"/>
                 </a:solidFill>
@@ -3716,7 +3716,7 @@
         </p:nvSpPr>
         <p:spPr>
           <a:xfrm>
-            <a:off x="323528" y="188640"/>
+            <a:off x="251520" y="764704"/>
             <a:ext cx="8640960" cy="6480720"/>
           </a:xfrm>
         </p:spPr>
@@ -3727,7 +3727,7 @@
           <a:lstStyle/>
           <a:p>
             <a:r>
-              <a:rPr lang="en-GB" sz="4000" dirty="0">
+              <a:rPr lang="en-GB" sz="3600" dirty="0">
                 <a:solidFill>
                   <a:schemeClr val="bg1"/>
                 </a:solidFill>
@@ -3737,7 +3737,7 @@
           </a:p>
           <a:p>
             <a:r>
-              <a:rPr lang="en-GB" sz="4000" dirty="0">
+              <a:rPr lang="en-GB" sz="3600" dirty="0">
                 <a:solidFill>
                   <a:schemeClr val="bg1"/>
                 </a:solidFill>
@@ -3747,7 +3747,7 @@
           </a:p>
           <a:p>
             <a:r>
-              <a:rPr lang="en-GB" sz="4000" dirty="0">
+              <a:rPr lang="en-GB" sz="3600" dirty="0">
                 <a:solidFill>
                   <a:schemeClr val="bg1"/>
                 </a:solidFill>
@@ -3757,7 +3757,7 @@
           </a:p>
           <a:p>
             <a:r>
-              <a:rPr lang="en-GB" sz="4000" dirty="0">
+              <a:rPr lang="en-GB" sz="3600" dirty="0">
                 <a:solidFill>
                   <a:schemeClr val="bg1"/>
                 </a:solidFill>
@@ -3767,7 +3767,7 @@
           </a:p>
           <a:p>
             <a:r>
-              <a:rPr lang="en-GB" sz="4000" dirty="0">
+              <a:rPr lang="en-GB" sz="3600" dirty="0">
                 <a:solidFill>
                   <a:schemeClr val="bg1"/>
                 </a:solidFill>
@@ -3777,7 +3777,7 @@
           </a:p>
           <a:p>
             <a:r>
-              <a:rPr lang="en-GB" sz="4000" dirty="0">
+              <a:rPr lang="en-GB" sz="3600" dirty="0">
                 <a:solidFill>
                   <a:schemeClr val="bg1"/>
                 </a:solidFill>
@@ -3862,7 +3862,7 @@
         </p:nvSpPr>
         <p:spPr>
           <a:xfrm>
-            <a:off x="323528" y="188640"/>
+            <a:off x="323528" y="764704"/>
             <a:ext cx="8640960" cy="6480720"/>
           </a:xfrm>
         </p:spPr>
@@ -3873,7 +3873,7 @@
           <a:lstStyle/>
           <a:p>
             <a:r>
-              <a:rPr lang="en-GB" sz="4000" dirty="0">
+              <a:rPr lang="en-GB" sz="3600" dirty="0">
                 <a:solidFill>
                   <a:schemeClr val="bg1"/>
                 </a:solidFill>
@@ -3883,7 +3883,7 @@
           </a:p>
           <a:p>
             <a:r>
-              <a:rPr lang="en-GB" sz="4000" dirty="0">
+              <a:rPr lang="en-GB" sz="3600" dirty="0">
                 <a:solidFill>
                   <a:schemeClr val="bg1"/>
                 </a:solidFill>
@@ -3893,7 +3893,7 @@
           </a:p>
           <a:p>
             <a:r>
-              <a:rPr lang="en-GB" sz="4000" dirty="0">
+              <a:rPr lang="en-GB" sz="3600" dirty="0">
                 <a:solidFill>
                   <a:schemeClr val="bg1"/>
                 </a:solidFill>
@@ -3903,7 +3903,7 @@
           </a:p>
           <a:p>
             <a:r>
-              <a:rPr lang="en-GB" sz="4000" dirty="0">
+              <a:rPr lang="en-GB" sz="3600" dirty="0">
                 <a:solidFill>
                   <a:schemeClr val="bg1"/>
                 </a:solidFill>
@@ -3988,7 +3988,7 @@
         </p:nvSpPr>
         <p:spPr>
           <a:xfrm>
-            <a:off x="323528" y="188640"/>
+            <a:off x="251520" y="764704"/>
             <a:ext cx="8640960" cy="6480720"/>
           </a:xfrm>
         </p:spPr>
@@ -3999,7 +3999,7 @@
           <a:lstStyle/>
           <a:p>
             <a:r>
-              <a:rPr lang="en-GB" sz="4000" dirty="0">
+              <a:rPr lang="en-GB" sz="3600" dirty="0">
                 <a:solidFill>
                   <a:schemeClr val="bg1"/>
                 </a:solidFill>
@@ -4009,7 +4009,7 @@
           </a:p>
           <a:p>
             <a:r>
-              <a:rPr lang="en-GB" sz="4000" dirty="0">
+              <a:rPr lang="en-GB" sz="3600" dirty="0">
                 <a:solidFill>
                   <a:schemeClr val="bg1"/>
                 </a:solidFill>
@@ -4019,7 +4019,7 @@
           </a:p>
           <a:p>
             <a:r>
-              <a:rPr lang="en-GB" sz="4000" dirty="0">
+              <a:rPr lang="en-GB" sz="3600" dirty="0">
                 <a:solidFill>
                   <a:schemeClr val="bg1"/>
                 </a:solidFill>
@@ -4029,7 +4029,7 @@
           </a:p>
           <a:p>
             <a:r>
-              <a:rPr lang="en-GB" sz="4000" dirty="0">
+              <a:rPr lang="en-GB" sz="3600" dirty="0">
                 <a:solidFill>
                   <a:schemeClr val="bg1"/>
                 </a:solidFill>
@@ -4039,7 +4039,7 @@
           </a:p>
           <a:p>
             <a:r>
-              <a:rPr lang="en-GB" sz="4000" dirty="0">
+              <a:rPr lang="en-GB" sz="3600" dirty="0">
                 <a:solidFill>
                   <a:schemeClr val="bg1"/>
                 </a:solidFill>
@@ -4124,7 +4124,7 @@
         </p:nvSpPr>
         <p:spPr>
           <a:xfrm>
-            <a:off x="323528" y="188640"/>
+            <a:off x="251520" y="764704"/>
             <a:ext cx="8640960" cy="6480720"/>
           </a:xfrm>
         </p:spPr>
@@ -4135,7 +4135,7 @@
           <a:lstStyle/>
           <a:p>
             <a:r>
-              <a:rPr lang="en-GB" sz="4000" dirty="0">
+              <a:rPr lang="en-GB" sz="3600" dirty="0">
                 <a:solidFill>
                   <a:schemeClr val="bg1"/>
                 </a:solidFill>
@@ -4145,7 +4145,7 @@
           </a:p>
           <a:p>
             <a:r>
-              <a:rPr lang="en-GB" sz="4000" dirty="0">
+              <a:rPr lang="en-GB" sz="3600" dirty="0">
                 <a:solidFill>
                   <a:schemeClr val="bg1"/>
                 </a:solidFill>
@@ -4155,7 +4155,7 @@
           </a:p>
           <a:p>
             <a:r>
-              <a:rPr lang="en-GB" sz="4000" dirty="0">
+              <a:rPr lang="en-GB" sz="3600" dirty="0">
                 <a:solidFill>
                   <a:schemeClr val="bg1"/>
                 </a:solidFill>
@@ -4165,7 +4165,7 @@
           </a:p>
           <a:p>
             <a:r>
-              <a:rPr lang="en-GB" sz="4000" dirty="0">
+              <a:rPr lang="en-GB" sz="3600" dirty="0">
                 <a:solidFill>
                   <a:schemeClr val="bg1"/>
                 </a:solidFill>
@@ -4250,7 +4250,7 @@
         </p:nvSpPr>
         <p:spPr>
           <a:xfrm>
-            <a:off x="323528" y="188640"/>
+            <a:off x="179512" y="692696"/>
             <a:ext cx="8640960" cy="6480720"/>
           </a:xfrm>
         </p:spPr>
@@ -4261,7 +4261,7 @@
           <a:lstStyle/>
           <a:p>
             <a:r>
-              <a:rPr lang="en-GB" sz="4000" dirty="0">
+              <a:rPr lang="en-GB" sz="3600" dirty="0">
                 <a:solidFill>
                   <a:schemeClr val="bg1"/>
                 </a:solidFill>
@@ -4271,7 +4271,7 @@
           </a:p>
           <a:p>
             <a:r>
-              <a:rPr lang="en-GB" sz="4000" dirty="0">
+              <a:rPr lang="en-GB" sz="3600" dirty="0">
                 <a:solidFill>
                   <a:schemeClr val="bg1"/>
                 </a:solidFill>
@@ -4281,7 +4281,7 @@
           </a:p>
           <a:p>
             <a:r>
-              <a:rPr lang="en-GB" sz="4000" dirty="0">
+              <a:rPr lang="en-GB" sz="3600" dirty="0">
                 <a:solidFill>
                   <a:schemeClr val="bg1"/>
                 </a:solidFill>
@@ -4291,7 +4291,7 @@
           </a:p>
           <a:p>
             <a:r>
-              <a:rPr lang="en-GB" sz="4000" dirty="0">
+              <a:rPr lang="en-GB" sz="3600" dirty="0">
                 <a:solidFill>
                   <a:schemeClr val="bg1"/>
                 </a:solidFill>
@@ -4376,7 +4376,7 @@
         </p:nvSpPr>
         <p:spPr>
           <a:xfrm>
-            <a:off x="323528" y="188640"/>
+            <a:off x="251520" y="836712"/>
             <a:ext cx="8640960" cy="6480720"/>
           </a:xfrm>
         </p:spPr>
@@ -4387,7 +4387,7 @@
           <a:lstStyle/>
           <a:p>
             <a:r>
-              <a:rPr lang="en-GB" sz="4000" dirty="0">
+              <a:rPr lang="en-GB" sz="3600" dirty="0">
                 <a:solidFill>
                   <a:schemeClr val="bg1"/>
                 </a:solidFill>
@@ -4397,7 +4397,7 @@
           </a:p>
           <a:p>
             <a:r>
-              <a:rPr lang="en-GB" sz="4000" dirty="0">
+              <a:rPr lang="en-GB" sz="3600" dirty="0">
                 <a:solidFill>
                   <a:schemeClr val="bg1"/>
                 </a:solidFill>
@@ -4407,7 +4407,7 @@
           </a:p>
           <a:p>
             <a:r>
-              <a:rPr lang="en-GB" sz="4000" dirty="0">
+              <a:rPr lang="en-GB" sz="3600" dirty="0">
                 <a:solidFill>
                   <a:schemeClr val="bg1"/>
                 </a:solidFill>
@@ -4417,7 +4417,7 @@
           </a:p>
           <a:p>
             <a:r>
-              <a:rPr lang="en-GB" sz="4000" dirty="0">
+              <a:rPr lang="en-GB" sz="3600" dirty="0">
                 <a:solidFill>
                   <a:schemeClr val="bg1"/>
                 </a:solidFill>
@@ -4427,7 +4427,7 @@
           </a:p>
           <a:p>
             <a:r>
-              <a:rPr lang="en-GB" sz="4000" dirty="0">
+              <a:rPr lang="en-GB" sz="3600" dirty="0">
                 <a:solidFill>
                   <a:schemeClr val="bg1"/>
                 </a:solidFill>
@@ -4437,7 +4437,7 @@
           </a:p>
           <a:p>
             <a:r>
-              <a:rPr lang="en-GB" sz="4000" dirty="0">
+              <a:rPr lang="en-GB" sz="3600" dirty="0">
                 <a:solidFill>
                   <a:schemeClr val="bg1"/>
                 </a:solidFill>
@@ -4522,7 +4522,7 @@
         </p:nvSpPr>
         <p:spPr>
           <a:xfrm>
-            <a:off x="323528" y="188640"/>
+            <a:off x="251520" y="764704"/>
             <a:ext cx="8640960" cy="6480720"/>
           </a:xfrm>
         </p:spPr>
